--- a/LLM/医学大模型.pptx
+++ b/LLM/医学大模型.pptx
@@ -11403,14 +11403,7 @@
                 <a:latin typeface="微软雅黑" panose="020B0503020204020204" charset="-122"/>
                 <a:ea typeface="微软雅黑" panose="020B0503020204020204" charset="-122"/>
               </a:rPr>
-              <a:t>分析</a:t>
-            </a:r>
-            <a:r>
-              <a:rPr lang="zh-CN" altLang="en-US" dirty="0">
-                <a:latin typeface="微软雅黑" panose="020B0503020204020204" charset="-122"/>
-                <a:ea typeface="微软雅黑" panose="020B0503020204020204" charset="-122"/>
-              </a:rPr>
-              <a:t>结果</a:t>
+              <a:t>医学大模型</a:t>
             </a:r>
             <a:endParaRPr lang="zh-CN" altLang="en-US" dirty="0">
               <a:latin typeface="微软雅黑" panose="020B0503020204020204" charset="-122"/>
@@ -11871,7 +11864,7 @@
                 <a:ea typeface="思源宋体 CN Medium" panose="02020500000000000000" pitchFamily="18" charset="-122"/>
                 <a:sym typeface="Arial" panose="020B0604020202020204" pitchFamily="34" charset="0"/>
               </a:rPr>
-              <a:t>03</a:t>
+              <a:t>04</a:t>
             </a:r>
             <a:endParaRPr lang="zh-CN" altLang="en-US" sz="8800" spc="1200" baseline="0" dirty="0">
               <a:solidFill>
@@ -12380,6 +12373,78 @@
           </a:p>
         </p:txBody>
       </p:sp>
+      <p:sp>
+        <p:nvSpPr>
+          <p:cNvPr id="2" name="文本框 1"/>
+          <p:cNvSpPr txBox="1"/>
+          <p:nvPr/>
+        </p:nvSpPr>
+        <p:spPr>
+          <a:xfrm>
+            <a:off x="1726565" y="1570355"/>
+            <a:ext cx="4064000" cy="645160"/>
+          </a:xfrm>
+          <a:prstGeom prst="rect">
+            <a:avLst/>
+          </a:prstGeom>
+          <a:noFill/>
+        </p:spPr>
+        <p:txBody>
+          <a:bodyPr wrap="square" rtlCol="0">
+            <a:spAutoFit/>
+          </a:bodyPr>
+          <a:p>
+            <a:r>
+              <a:rPr lang="en-US" altLang="zh-CN"/>
+              <a:t>Paper</a:t>
+            </a:r>
+            <a:r>
+              <a:rPr lang="zh-CN" altLang="en-US"/>
+              <a:t>：https://arxiv.org/abs/2304.01097</a:t>
+            </a:r>
+            <a:endParaRPr lang="zh-CN" altLang="en-US"/>
+          </a:p>
+          <a:p>
+            <a:r>
+              <a:rPr lang="zh-CN" altLang="en-US"/>
+              <a:t>基座模型：</a:t>
+            </a:r>
+            <a:r>
+              <a:rPr lang="en-US" altLang="zh-CN"/>
+              <a:t>chatGLM 6B</a:t>
+            </a:r>
+            <a:endParaRPr lang="en-US" altLang="zh-CN"/>
+          </a:p>
+        </p:txBody>
+      </p:sp>
+      <p:pic>
+        <p:nvPicPr>
+          <p:cNvPr id="3" name="图片 2"/>
+          <p:cNvPicPr>
+            <a:picLocks noChangeAspect="1"/>
+          </p:cNvPicPr>
+          <p:nvPr>
+            <p:custDataLst>
+              <p:tags r:id="rId1"/>
+            </p:custDataLst>
+          </p:nvPr>
+        </p:nvPicPr>
+        <p:blipFill>
+          <a:blip r:embed="rId2"/>
+          <a:stretch>
+            <a:fillRect/>
+          </a:stretch>
+        </p:blipFill>
+        <p:spPr>
+          <a:xfrm>
+            <a:off x="1315720" y="2125980"/>
+            <a:ext cx="9276080" cy="4123055"/>
+          </a:xfrm>
+          <a:prstGeom prst="rect">
+            <a:avLst/>
+          </a:prstGeom>
+        </p:spPr>
+      </p:pic>
     </p:spTree>
   </p:cSld>
   <p:clrMapOvr>
@@ -15107,6 +15172,15 @@
 </p:tagLst>
 </file>
 
+<file path=ppt/tags/tag10.xml><?xml version="1.0" encoding="utf-8"?>
+<p:tagLst xmlns:p="http://schemas.openxmlformats.org/presentationml/2006/main">
+  <p:tag name="KSO_WPP_MARK_KEY" val="df55478e-5c84-4163-bf5a-cf2007644240"/>
+  <p:tag name="RESOURCE_RECORD_KEY" val="{&quot;70&quot;:[3312359]}"/>
+  <p:tag name="COMMONDATA" val="eyJoZGlkIjoiNjVmNTIyMjdiN2FlM2Y4YjE5Y2I1NjQ0ZDg2NThhMGUifQ=="/>
+  <p:tag name="commondata" val="eyJoZGlkIjoiZGI5OGU4NGQyOTJmN2E1NDRmYmIzZjc2MWNiM2Q2M2MifQ=="/>
+</p:tagLst>
+</file>
+
 <file path=ppt/tags/tag2.xml><?xml version="1.0" encoding="utf-8"?>
 <p:tagLst xmlns:p="http://schemas.openxmlformats.org/presentationml/2006/main">
   <p:tag name="KSO_WM_UNIT_HIGHLIGHT" val="0"/>
@@ -15157,12 +15231,9 @@
 </p:tagLst>
 </file>
 
-<file path=ppt/tags/tag9.xml><?xml version="1.0" encoding="utf-8"?>
+<file path=ppt/tags/tag8.xml><?xml version="1.0" encoding="utf-8"?>
 <p:tagLst xmlns:p="http://schemas.openxmlformats.org/presentationml/2006/main">
-  <p:tag name="KSO_WPP_MARK_KEY" val="df55478e-5c84-4163-bf5a-cf2007644240"/>
-  <p:tag name="RESOURCE_RECORD_KEY" val="{&quot;70&quot;:[3312359]}"/>
-  <p:tag name="COMMONDATA" val="eyJoZGlkIjoiNjVmNTIyMjdiN2FlM2Y4YjE5Y2I1NjQ0ZDg2NThhMGUifQ=="/>
-  <p:tag name="commondata" val="eyJoZGlkIjoiZGI5OGU4NGQyOTJmN2E1NDRmYmIzZjc2MWNiM2Q2M2MifQ=="/>
+  <p:tag name="KSO_WM_BEAUTIFY_FLAG" val=""/>
 </p:tagLst>
 </file>
 
@@ -15714,7 +15785,7 @@
 <file path=customXml/item1.xml>��< ? x m l   v e r s i o n = " 1 . 0 "   s t a n d a l o n e = " y e s " ? > < s : c u s t o m D a t a   x m l n s = " h t t p : / / w w w . w p s . c n / o f f i c e D o c u m e n t / 2 0 1 3 / w p s C u s t o m D a t a "   x m l n s : s = " h t t p : / / w w w . w p s . c n / o f f i c e D o c u m e n t / 2 0 1 3 / w p s C u s t o m D a t a " > < e x t o b j s / > < / s : c u s t o m D a t a > 
 </file>
 
-<file path=customXml/itemProps8.xml><?xml version="1.0" encoding="utf-8"?>
+<file path=customXml/itemProps9.xml><?xml version="1.0" encoding="utf-8"?>
 <ds:datastoreItem xmlns:ds="http://schemas.openxmlformats.org/officeDocument/2006/customXml" ds:itemID="{172BDF4A-BA4E-4DB4-81D0-AB9FFD02AD3D}">
   <ds:schemaRefs/>
 </ds:datastoreItem>

--- a/LLM/医学大模型.pptx
+++ b/LLM/医学大模型.pptx
@@ -13992,7 +13992,7 @@
             </a:r>
             <a:r>
               <a:rPr lang="zh-CN" altLang="en-US"/>
-              <a:t>：医学问答数据集，基于知识图谱。坐着将每个知识三元组转换成了微调指令数据，产生</a:t>
+              <a:t>：医学问答数据集，基于知识图谱。将每个知识三元组转换成了微调指令数据，产生</a:t>
             </a:r>
             <a:r>
               <a:rPr lang="en-US" altLang="zh-CN"/>
@@ -14969,9 +14969,21 @@
             <a:pPr indent="457200"/>
             <a:r>
               <a:rPr lang="en-US" altLang="zh-CN"/>
-              <a:t>为了克服上述问题，HuatuoGPT 的核心配方是利用医生的真实数据和来自 ChatGPT 在监督微调 (SFT) 阶段的蒸馏数据</a:t>
+              <a:t>为了克服上述问题，HuatuoGPT 的核心是</a:t>
             </a:r>
-            <a:endParaRPr lang="en-US" altLang="zh-CN"/>
+            <a:r>
+              <a:rPr lang="zh-CN" altLang="en-US"/>
+              <a:t>同时</a:t>
+            </a:r>
+            <a:r>
+              <a:rPr lang="en-US" altLang="zh-CN"/>
+              <a:t>利用医生的真实数据和来自 ChatGPT 在监督微调 (SFT) 阶段的蒸馏数据</a:t>
+            </a:r>
+            <a:r>
+              <a:rPr lang="zh-CN" altLang="en-US"/>
+              <a:t>。</a:t>
+            </a:r>
+            <a:endParaRPr lang="zh-CN" altLang="en-US"/>
           </a:p>
         </p:txBody>
       </p:sp>
